--- a/사업 문서/남은작업.pptx
+++ b/사업 문서/남은작업.pptx
@@ -120,6 +120,11 @@
       </a:defRPr>
     </a:lvl9pPr>
   </p:defaultTextStyle>
+  <p:extLst>
+    <p:ext uri="{EFAFB233-063F-42B5-8137-9DF3F51BA10A}">
+      <p15:sldGuideLst xmlns:p15="http://schemas.microsoft.com/office/powerpoint/2012/main"/>
+    </p:ext>
+  </p:extLst>
 </p:presentation>
 </file>
 
@@ -4107,12 +4112,58 @@
           </a:p>
         </p:txBody>
       </p:sp>
+      <p:sp>
+        <p:nvSpPr>
+          <p:cNvPr id="3" name="직사각형 2">
+            <a:extLst>
+              <a:ext uri="{FF2B5EF4-FFF2-40B4-BE49-F238E27FC236}">
+                <a16:creationId xmlns:a16="http://schemas.microsoft.com/office/drawing/2014/main" id="{055B0C1C-154D-4E19-A0F9-42A7FA6DC407}"/>
+              </a:ext>
+            </a:extLst>
+          </p:cNvPr>
+          <p:cNvSpPr/>
+          <p:nvPr/>
+        </p:nvSpPr>
+        <p:spPr>
+          <a:xfrm>
+            <a:off x="3313651" y="2357306"/>
+            <a:ext cx="679509" cy="151002"/>
+          </a:xfrm>
+          <a:prstGeom prst="rect">
+            <a:avLst/>
+          </a:prstGeom>
+        </p:spPr>
+        <p:style>
+          <a:lnRef idx="2">
+            <a:schemeClr val="accent1">
+              <a:shade val="50000"/>
+            </a:schemeClr>
+          </a:lnRef>
+          <a:fillRef idx="1">
+            <a:schemeClr val="accent1"/>
+          </a:fillRef>
+          <a:effectRef idx="0">
+            <a:schemeClr val="accent1"/>
+          </a:effectRef>
+          <a:fontRef idx="minor">
+            <a:schemeClr val="lt1"/>
+          </a:fontRef>
+        </p:style>
+        <p:txBody>
+          <a:bodyPr rtlCol="0" anchor="ctr"/>
+          <a:lstStyle/>
+          <a:p>
+            <a:pPr algn="ctr"/>
+            <a:endParaRPr lang="ko-KR" altLang="en-US"/>
+          </a:p>
+        </p:txBody>
+      </p:sp>
       <p:pic>
         <p:nvPicPr>
-          <p:cNvPr id="4" name="그림 3">
-            <a:extLst>
-              <a:ext uri="{FF2B5EF4-FFF2-40B4-BE49-F238E27FC236}">
-                <a16:creationId xmlns:a16="http://schemas.microsoft.com/office/drawing/2014/main" id="{6C1BACFE-DA0D-4BD5-9326-26FFCCF18231}"/>
+          <p:cNvPr id="9" name="그림 8">
+            <a:extLst>
+              <a:ext uri="{FF2B5EF4-FFF2-40B4-BE49-F238E27FC236}">
+                <a16:creationId xmlns:a16="http://schemas.microsoft.com/office/drawing/2014/main" id="{9CFF7B63-9500-428F-8726-4E0406BA3535}"/>
               </a:ext>
             </a:extLst>
           </p:cNvPr>
@@ -4129,8 +4180,8 @@
         </p:blipFill>
         <p:spPr>
           <a:xfrm>
-            <a:off x="1227415" y="1800331"/>
-            <a:ext cx="6616292" cy="3257338"/>
+            <a:off x="1198927" y="1690688"/>
+            <a:ext cx="5748762" cy="2906959"/>
           </a:xfrm>
           <a:prstGeom prst="rect">
             <a:avLst/>
